--- a/lab4/lab4.pptx
+++ b/lab4/lab4.pptx
@@ -5257,7 +5257,7 @@
                 <a:ea typeface="兰亭黑-简 纤黑" charset="-122"/>
                 <a:hlinkClick r:id="rId1" tooltip="" action="ppaction://hlinkfile"/>
               </a:rPr>
-              <a:t>https://send2me.cn/NcmaXYZG/T7y8Z_uYVKxkoA</a:t>
+              <a:t>https://send2me.cn/wYt_a5qa/SkGmt93lpl0leQ</a:t>
             </a:r>
             <a:endParaRPr lang="en-US" altLang="zh-CN" sz="2000">
               <a:solidFill>
@@ -5302,7 +5302,7 @@
                 <a:latin typeface="兰亭黑-简 纤黑" charset="-122"/>
                 <a:ea typeface="兰亭黑-简 纤黑" charset="-122"/>
               </a:rPr>
-              <a:t>2025-04-24 23</a:t>
+              <a:t>2025-04-23 23</a:t>
             </a:r>
             <a:r>
               <a:rPr lang="zh-CN" altLang="en-US" sz="2000">
